--- a/assets/Architecture.pptx
+++ b/assets/Architecture.pptx
@@ -104,7 +104,177 @@
       </a:defRPr>
     </a:lvl9pPr>
   </p:defaultTextStyle>
+  <p:extLst>
+    <p:ext uri="{EFAFB233-063F-42B5-8137-9DF3F51BA10A}">
+      <p15:sldGuideLst xmlns:p15="http://schemas.microsoft.com/office/powerpoint/2012/main"/>
+    </p:ext>
+  </p:extLst>
 </p:presentation>
+</file>
+
+<file path=ppt/revisionInfo.xml><?xml version="1.0" encoding="utf-8"?>
+<p1510:revInfo xmlns:a="http://schemas.openxmlformats.org/drawingml/2006/main" xmlns:r="http://schemas.openxmlformats.org/officeDocument/2006/relationships" xmlns:p1510="http://schemas.microsoft.com/office/powerpoint/2015/10/main">
+  <p1510:revLst>
+    <p1510:client id="{B74F349F-12E2-495F-8F0E-3A03EED6DFA9}" v="2" dt="2019-11-13T21:44:01.870"/>
+  </p1510:revLst>
+</p1510:revInfo>
+</file>
+
+<file path=ppt/changesInfos/changesInfo1.xml><?xml version="1.0" encoding="utf-8"?>
+<pc:chgInfo xmlns:a="http://schemas.openxmlformats.org/drawingml/2006/main" xmlns:r="http://schemas.openxmlformats.org/officeDocument/2006/relationships" xmlns:ac="http://schemas.microsoft.com/office/drawing/2013/main/command" xmlns:pc="http://schemas.microsoft.com/office/powerpoint/2013/main/command">
+  <pc:docChgLst>
+    <pc:chgData name="Deejai Justin" userId="858ebd3f783c0785" providerId="LiveId" clId="{B74F349F-12E2-495F-8F0E-3A03EED6DFA9}"/>
+    <pc:docChg chg="modSld">
+      <pc:chgData name="Deejai Justin" userId="858ebd3f783c0785" providerId="LiveId" clId="{B74F349F-12E2-495F-8F0E-3A03EED6DFA9}" dt="2019-11-13T21:44:43.866" v="44" actId="1076"/>
+      <pc:docMkLst>
+        <pc:docMk/>
+      </pc:docMkLst>
+      <pc:sldChg chg="addSp modSp">
+        <pc:chgData name="Deejai Justin" userId="858ebd3f783c0785" providerId="LiveId" clId="{B74F349F-12E2-495F-8F0E-3A03EED6DFA9}" dt="2019-11-13T21:44:43.866" v="44" actId="1076"/>
+        <pc:sldMkLst>
+          <pc:docMk/>
+          <pc:sldMk cId="1103160813" sldId="256"/>
+        </pc:sldMkLst>
+        <pc:spChg chg="add mod">
+          <ac:chgData name="Deejai Justin" userId="858ebd3f783c0785" providerId="LiveId" clId="{B74F349F-12E2-495F-8F0E-3A03EED6DFA9}" dt="2019-11-13T21:44:43.866" v="44" actId="1076"/>
+          <ac:spMkLst>
+            <pc:docMk/>
+            <pc:sldMk cId="1103160813" sldId="256"/>
+            <ac:spMk id="2" creationId="{2DDC2694-6AB4-463A-8E78-D5F31D277CD3}"/>
+          </ac:spMkLst>
+        </pc:spChg>
+        <pc:spChg chg="mod">
+          <ac:chgData name="Deejai Justin" userId="858ebd3f783c0785" providerId="LiveId" clId="{B74F349F-12E2-495F-8F0E-3A03EED6DFA9}" dt="2019-11-13T21:44:38.043" v="43" actId="1076"/>
+          <ac:spMkLst>
+            <pc:docMk/>
+            <pc:sldMk cId="1103160813" sldId="256"/>
+            <ac:spMk id="4" creationId="{00000000-0000-0000-0000-000000000000}"/>
+          </ac:spMkLst>
+        </pc:spChg>
+        <pc:spChg chg="mod">
+          <ac:chgData name="Deejai Justin" userId="858ebd3f783c0785" providerId="LiveId" clId="{B74F349F-12E2-495F-8F0E-3A03EED6DFA9}" dt="2019-11-13T21:44:38.043" v="43" actId="1076"/>
+          <ac:spMkLst>
+            <pc:docMk/>
+            <pc:sldMk cId="1103160813" sldId="256"/>
+            <ac:spMk id="5" creationId="{00000000-0000-0000-0000-000000000000}"/>
+          </ac:spMkLst>
+        </pc:spChg>
+        <pc:spChg chg="mod">
+          <ac:chgData name="Deejai Justin" userId="858ebd3f783c0785" providerId="LiveId" clId="{B74F349F-12E2-495F-8F0E-3A03EED6DFA9}" dt="2019-11-13T21:44:38.043" v="43" actId="1076"/>
+          <ac:spMkLst>
+            <pc:docMk/>
+            <pc:sldMk cId="1103160813" sldId="256"/>
+            <ac:spMk id="6" creationId="{00000000-0000-0000-0000-000000000000}"/>
+          </ac:spMkLst>
+        </pc:spChg>
+        <pc:spChg chg="mod">
+          <ac:chgData name="Deejai Justin" userId="858ebd3f783c0785" providerId="LiveId" clId="{B74F349F-12E2-495F-8F0E-3A03EED6DFA9}" dt="2019-11-13T21:44:38.043" v="43" actId="1076"/>
+          <ac:spMkLst>
+            <pc:docMk/>
+            <pc:sldMk cId="1103160813" sldId="256"/>
+            <ac:spMk id="7" creationId="{00000000-0000-0000-0000-000000000000}"/>
+          </ac:spMkLst>
+        </pc:spChg>
+        <pc:spChg chg="mod">
+          <ac:chgData name="Deejai Justin" userId="858ebd3f783c0785" providerId="LiveId" clId="{B74F349F-12E2-495F-8F0E-3A03EED6DFA9}" dt="2019-11-13T21:44:38.043" v="43" actId="1076"/>
+          <ac:spMkLst>
+            <pc:docMk/>
+            <pc:sldMk cId="1103160813" sldId="256"/>
+            <ac:spMk id="8" creationId="{00000000-0000-0000-0000-000000000000}"/>
+          </ac:spMkLst>
+        </pc:spChg>
+        <pc:spChg chg="mod">
+          <ac:chgData name="Deejai Justin" userId="858ebd3f783c0785" providerId="LiveId" clId="{B74F349F-12E2-495F-8F0E-3A03EED6DFA9}" dt="2019-11-13T21:44:38.043" v="43" actId="1076"/>
+          <ac:spMkLst>
+            <pc:docMk/>
+            <pc:sldMk cId="1103160813" sldId="256"/>
+            <ac:spMk id="10" creationId="{00000000-0000-0000-0000-000000000000}"/>
+          </ac:spMkLst>
+        </pc:spChg>
+        <pc:spChg chg="mod">
+          <ac:chgData name="Deejai Justin" userId="858ebd3f783c0785" providerId="LiveId" clId="{B74F349F-12E2-495F-8F0E-3A03EED6DFA9}" dt="2019-11-13T21:44:38.043" v="43" actId="1076"/>
+          <ac:spMkLst>
+            <pc:docMk/>
+            <pc:sldMk cId="1103160813" sldId="256"/>
+            <ac:spMk id="11" creationId="{00000000-0000-0000-0000-000000000000}"/>
+          </ac:spMkLst>
+        </pc:spChg>
+        <pc:spChg chg="mod">
+          <ac:chgData name="Deejai Justin" userId="858ebd3f783c0785" providerId="LiveId" clId="{B74F349F-12E2-495F-8F0E-3A03EED6DFA9}" dt="2019-11-13T21:44:38.043" v="43" actId="1076"/>
+          <ac:spMkLst>
+            <pc:docMk/>
+            <pc:sldMk cId="1103160813" sldId="256"/>
+            <ac:spMk id="12" creationId="{00000000-0000-0000-0000-000000000000}"/>
+          </ac:spMkLst>
+        </pc:spChg>
+        <pc:spChg chg="mod">
+          <ac:chgData name="Deejai Justin" userId="858ebd3f783c0785" providerId="LiveId" clId="{B74F349F-12E2-495F-8F0E-3A03EED6DFA9}" dt="2019-11-13T21:44:38.043" v="43" actId="1076"/>
+          <ac:spMkLst>
+            <pc:docMk/>
+            <pc:sldMk cId="1103160813" sldId="256"/>
+            <ac:spMk id="13" creationId="{00000000-0000-0000-0000-000000000000}"/>
+          </ac:spMkLst>
+        </pc:spChg>
+        <pc:spChg chg="mod">
+          <ac:chgData name="Deejai Justin" userId="858ebd3f783c0785" providerId="LiveId" clId="{B74F349F-12E2-495F-8F0E-3A03EED6DFA9}" dt="2019-11-13T21:44:38.043" v="43" actId="1076"/>
+          <ac:spMkLst>
+            <pc:docMk/>
+            <pc:sldMk cId="1103160813" sldId="256"/>
+            <ac:spMk id="17" creationId="{00000000-0000-0000-0000-000000000000}"/>
+          </ac:spMkLst>
+        </pc:spChg>
+        <pc:spChg chg="add mod">
+          <ac:chgData name="Deejai Justin" userId="858ebd3f783c0785" providerId="LiveId" clId="{B74F349F-12E2-495F-8F0E-3A03EED6DFA9}" dt="2019-11-13T21:44:43.866" v="44" actId="1076"/>
+          <ac:spMkLst>
+            <pc:docMk/>
+            <pc:sldMk cId="1103160813" sldId="256"/>
+            <ac:spMk id="18" creationId="{FFA83D32-0677-4853-A327-DB2F191B3A4E}"/>
+          </ac:spMkLst>
+        </pc:spChg>
+        <pc:spChg chg="mod">
+          <ac:chgData name="Deejai Justin" userId="858ebd3f783c0785" providerId="LiveId" clId="{B74F349F-12E2-495F-8F0E-3A03EED6DFA9}" dt="2019-11-13T21:44:38.043" v="43" actId="1076"/>
+          <ac:spMkLst>
+            <pc:docMk/>
+            <pc:sldMk cId="1103160813" sldId="256"/>
+            <ac:spMk id="24" creationId="{00000000-0000-0000-0000-000000000000}"/>
+          </ac:spMkLst>
+        </pc:spChg>
+        <pc:spChg chg="mod">
+          <ac:chgData name="Deejai Justin" userId="858ebd3f783c0785" providerId="LiveId" clId="{B74F349F-12E2-495F-8F0E-3A03EED6DFA9}" dt="2019-11-13T21:44:38.043" v="43" actId="1076"/>
+          <ac:spMkLst>
+            <pc:docMk/>
+            <pc:sldMk cId="1103160813" sldId="256"/>
+            <ac:spMk id="34" creationId="{00000000-0000-0000-0000-000000000000}"/>
+          </ac:spMkLst>
+        </pc:spChg>
+        <pc:spChg chg="mod">
+          <ac:chgData name="Deejai Justin" userId="858ebd3f783c0785" providerId="LiveId" clId="{B74F349F-12E2-495F-8F0E-3A03EED6DFA9}" dt="2019-11-13T21:44:38.043" v="43" actId="1076"/>
+          <ac:spMkLst>
+            <pc:docMk/>
+            <pc:sldMk cId="1103160813" sldId="256"/>
+            <ac:spMk id="36" creationId="{00000000-0000-0000-0000-000000000000}"/>
+          </ac:spMkLst>
+        </pc:spChg>
+        <pc:cxnChg chg="mod">
+          <ac:chgData name="Deejai Justin" userId="858ebd3f783c0785" providerId="LiveId" clId="{B74F349F-12E2-495F-8F0E-3A03EED6DFA9}" dt="2019-11-13T21:44:38.043" v="43" actId="1076"/>
+          <ac:cxnSpMkLst>
+            <pc:docMk/>
+            <pc:sldMk cId="1103160813" sldId="256"/>
+            <ac:cxnSpMk id="19" creationId="{00000000-0000-0000-0000-000000000000}"/>
+          </ac:cxnSpMkLst>
+        </pc:cxnChg>
+        <pc:cxnChg chg="mod">
+          <ac:chgData name="Deejai Justin" userId="858ebd3f783c0785" providerId="LiveId" clId="{B74F349F-12E2-495F-8F0E-3A03EED6DFA9}" dt="2019-11-13T21:44:38.043" v="43" actId="1076"/>
+          <ac:cxnSpMkLst>
+            <pc:docMk/>
+            <pc:sldMk cId="1103160813" sldId="256"/>
+            <ac:cxnSpMk id="21" creationId="{00000000-0000-0000-0000-000000000000}"/>
+          </ac:cxnSpMkLst>
+        </pc:cxnChg>
+      </pc:sldChg>
+    </pc:docChg>
+  </pc:docChgLst>
+</pc:chgInfo>
 </file>
 
 <file path=ppt/slideLayouts/slideLayout1.xml><?xml version="1.0" encoding="utf-8"?>
@@ -149,10 +319,9 @@
           </a:lstStyle>
           <a:p>
             <a:r>
-              <a:rPr lang="en-US" smtClean="0"/>
+              <a:rPr lang="en-US"/>
               <a:t>Click to edit Master title style</a:t>
             </a:r>
-            <a:endParaRPr lang="en-US"/>
           </a:p>
         </p:txBody>
       </p:sp>
@@ -214,10 +383,9 @@
           </a:lstStyle>
           <a:p>
             <a:r>
-              <a:rPr lang="en-US" smtClean="0"/>
+              <a:rPr lang="en-US"/>
               <a:t>Click to edit Master subtitle style</a:t>
             </a:r>
-            <a:endParaRPr lang="en-US"/>
           </a:p>
         </p:txBody>
       </p:sp>
@@ -332,10 +500,9 @@
           <a:lstStyle/>
           <a:p>
             <a:r>
-              <a:rPr lang="en-US" smtClean="0"/>
+              <a:rPr lang="en-US"/>
               <a:t>Click to edit Master title style</a:t>
             </a:r>
-            <a:endParaRPr lang="en-US"/>
           </a:p>
         </p:txBody>
       </p:sp>
@@ -356,38 +523,37 @@
           <a:p>
             <a:pPr lvl="0"/>
             <a:r>
-              <a:rPr lang="en-US" smtClean="0"/>
+              <a:rPr lang="en-US"/>
               <a:t>Click to edit Master text styles</a:t>
             </a:r>
           </a:p>
           <a:p>
             <a:pPr lvl="1"/>
             <a:r>
-              <a:rPr lang="en-US" smtClean="0"/>
+              <a:rPr lang="en-US"/>
               <a:t>Second level</a:t>
             </a:r>
           </a:p>
           <a:p>
             <a:pPr lvl="2"/>
             <a:r>
-              <a:rPr lang="en-US" smtClean="0"/>
+              <a:rPr lang="en-US"/>
               <a:t>Third level</a:t>
             </a:r>
           </a:p>
           <a:p>
             <a:pPr lvl="3"/>
             <a:r>
-              <a:rPr lang="en-US" smtClean="0"/>
+              <a:rPr lang="en-US"/>
               <a:t>Fourth level</a:t>
             </a:r>
           </a:p>
           <a:p>
             <a:pPr lvl="4"/>
             <a:r>
-              <a:rPr lang="en-US" smtClean="0"/>
+              <a:rPr lang="en-US"/>
               <a:t>Fifth level</a:t>
             </a:r>
-            <a:endParaRPr lang="en-US"/>
           </a:p>
         </p:txBody>
       </p:sp>
@@ -507,10 +673,9 @@
           <a:lstStyle/>
           <a:p>
             <a:r>
-              <a:rPr lang="en-US" smtClean="0"/>
+              <a:rPr lang="en-US"/>
               <a:t>Click to edit Master title style</a:t>
             </a:r>
-            <a:endParaRPr lang="en-US"/>
           </a:p>
         </p:txBody>
       </p:sp>
@@ -536,38 +701,37 @@
           <a:p>
             <a:pPr lvl="0"/>
             <a:r>
-              <a:rPr lang="en-US" smtClean="0"/>
+              <a:rPr lang="en-US"/>
               <a:t>Click to edit Master text styles</a:t>
             </a:r>
           </a:p>
           <a:p>
             <a:pPr lvl="1"/>
             <a:r>
-              <a:rPr lang="en-US" smtClean="0"/>
+              <a:rPr lang="en-US"/>
               <a:t>Second level</a:t>
             </a:r>
           </a:p>
           <a:p>
             <a:pPr lvl="2"/>
             <a:r>
-              <a:rPr lang="en-US" smtClean="0"/>
+              <a:rPr lang="en-US"/>
               <a:t>Third level</a:t>
             </a:r>
           </a:p>
           <a:p>
             <a:pPr lvl="3"/>
             <a:r>
-              <a:rPr lang="en-US" smtClean="0"/>
+              <a:rPr lang="en-US"/>
               <a:t>Fourth level</a:t>
             </a:r>
           </a:p>
           <a:p>
             <a:pPr lvl="4"/>
             <a:r>
-              <a:rPr lang="en-US" smtClean="0"/>
+              <a:rPr lang="en-US"/>
               <a:t>Fifth level</a:t>
             </a:r>
-            <a:endParaRPr lang="en-US"/>
           </a:p>
         </p:txBody>
       </p:sp>
@@ -682,10 +846,9 @@
           <a:lstStyle/>
           <a:p>
             <a:r>
-              <a:rPr lang="en-US" smtClean="0"/>
+              <a:rPr lang="en-US"/>
               <a:t>Click to edit Master title style</a:t>
             </a:r>
-            <a:endParaRPr lang="en-US"/>
           </a:p>
         </p:txBody>
       </p:sp>
@@ -706,38 +869,37 @@
           <a:p>
             <a:pPr lvl="0"/>
             <a:r>
-              <a:rPr lang="en-US" smtClean="0"/>
+              <a:rPr lang="en-US"/>
               <a:t>Click to edit Master text styles</a:t>
             </a:r>
           </a:p>
           <a:p>
             <a:pPr lvl="1"/>
             <a:r>
-              <a:rPr lang="en-US" smtClean="0"/>
+              <a:rPr lang="en-US"/>
               <a:t>Second level</a:t>
             </a:r>
           </a:p>
           <a:p>
             <a:pPr lvl="2"/>
             <a:r>
-              <a:rPr lang="en-US" smtClean="0"/>
+              <a:rPr lang="en-US"/>
               <a:t>Third level</a:t>
             </a:r>
           </a:p>
           <a:p>
             <a:pPr lvl="3"/>
             <a:r>
-              <a:rPr lang="en-US" smtClean="0"/>
+              <a:rPr lang="en-US"/>
               <a:t>Fourth level</a:t>
             </a:r>
           </a:p>
           <a:p>
             <a:pPr lvl="4"/>
             <a:r>
-              <a:rPr lang="en-US" smtClean="0"/>
+              <a:rPr lang="en-US"/>
               <a:t>Fifth level</a:t>
             </a:r>
-            <a:endParaRPr lang="en-US"/>
           </a:p>
         </p:txBody>
       </p:sp>
@@ -861,10 +1023,9 @@
           </a:lstStyle>
           <a:p>
             <a:r>
-              <a:rPr lang="en-US" smtClean="0"/>
+              <a:rPr lang="en-US"/>
               <a:t>Click to edit Master title style</a:t>
             </a:r>
-            <a:endParaRPr lang="en-US"/>
           </a:p>
         </p:txBody>
       </p:sp>
@@ -981,7 +1142,7 @@
           <a:p>
             <a:pPr lvl="0"/>
             <a:r>
-              <a:rPr lang="en-US" smtClean="0"/>
+              <a:rPr lang="en-US"/>
               <a:t>Click to edit Master text styles</a:t>
             </a:r>
           </a:p>
@@ -1098,10 +1259,9 @@
           <a:lstStyle/>
           <a:p>
             <a:r>
-              <a:rPr lang="en-US" smtClean="0"/>
+              <a:rPr lang="en-US"/>
               <a:t>Click to edit Master title style</a:t>
             </a:r>
-            <a:endParaRPr lang="en-US"/>
           </a:p>
         </p:txBody>
       </p:sp>
@@ -1127,38 +1287,37 @@
           <a:p>
             <a:pPr lvl="0"/>
             <a:r>
-              <a:rPr lang="en-US" smtClean="0"/>
+              <a:rPr lang="en-US"/>
               <a:t>Click to edit Master text styles</a:t>
             </a:r>
           </a:p>
           <a:p>
             <a:pPr lvl="1"/>
             <a:r>
-              <a:rPr lang="en-US" smtClean="0"/>
+              <a:rPr lang="en-US"/>
               <a:t>Second level</a:t>
             </a:r>
           </a:p>
           <a:p>
             <a:pPr lvl="2"/>
             <a:r>
-              <a:rPr lang="en-US" smtClean="0"/>
+              <a:rPr lang="en-US"/>
               <a:t>Third level</a:t>
             </a:r>
           </a:p>
           <a:p>
             <a:pPr lvl="3"/>
             <a:r>
-              <a:rPr lang="en-US" smtClean="0"/>
+              <a:rPr lang="en-US"/>
               <a:t>Fourth level</a:t>
             </a:r>
           </a:p>
           <a:p>
             <a:pPr lvl="4"/>
             <a:r>
-              <a:rPr lang="en-US" smtClean="0"/>
+              <a:rPr lang="en-US"/>
               <a:t>Fifth level</a:t>
             </a:r>
-            <a:endParaRPr lang="en-US"/>
           </a:p>
         </p:txBody>
       </p:sp>
@@ -1184,38 +1343,37 @@
           <a:p>
             <a:pPr lvl="0"/>
             <a:r>
-              <a:rPr lang="en-US" smtClean="0"/>
+              <a:rPr lang="en-US"/>
               <a:t>Click to edit Master text styles</a:t>
             </a:r>
           </a:p>
           <a:p>
             <a:pPr lvl="1"/>
             <a:r>
-              <a:rPr lang="en-US" smtClean="0"/>
+              <a:rPr lang="en-US"/>
               <a:t>Second level</a:t>
             </a:r>
           </a:p>
           <a:p>
             <a:pPr lvl="2"/>
             <a:r>
-              <a:rPr lang="en-US" smtClean="0"/>
+              <a:rPr lang="en-US"/>
               <a:t>Third level</a:t>
             </a:r>
           </a:p>
           <a:p>
             <a:pPr lvl="3"/>
             <a:r>
-              <a:rPr lang="en-US" smtClean="0"/>
+              <a:rPr lang="en-US"/>
               <a:t>Fourth level</a:t>
             </a:r>
           </a:p>
           <a:p>
             <a:pPr lvl="4"/>
             <a:r>
-              <a:rPr lang="en-US" smtClean="0"/>
+              <a:rPr lang="en-US"/>
               <a:t>Fifth level</a:t>
             </a:r>
-            <a:endParaRPr lang="en-US"/>
           </a:p>
         </p:txBody>
       </p:sp>
@@ -1335,10 +1493,9 @@
           <a:lstStyle/>
           <a:p>
             <a:r>
-              <a:rPr lang="en-US" smtClean="0"/>
+              <a:rPr lang="en-US"/>
               <a:t>Click to edit Master title style</a:t>
             </a:r>
-            <a:endParaRPr lang="en-US"/>
           </a:p>
         </p:txBody>
       </p:sp>
@@ -1401,7 +1558,7 @@
           <a:p>
             <a:pPr lvl="0"/>
             <a:r>
-              <a:rPr lang="en-US" smtClean="0"/>
+              <a:rPr lang="en-US"/>
               <a:t>Click to edit Master text styles</a:t>
             </a:r>
           </a:p>
@@ -1429,38 +1586,37 @@
           <a:p>
             <a:pPr lvl="0"/>
             <a:r>
-              <a:rPr lang="en-US" smtClean="0"/>
+              <a:rPr lang="en-US"/>
               <a:t>Click to edit Master text styles</a:t>
             </a:r>
           </a:p>
           <a:p>
             <a:pPr lvl="1"/>
             <a:r>
-              <a:rPr lang="en-US" smtClean="0"/>
+              <a:rPr lang="en-US"/>
               <a:t>Second level</a:t>
             </a:r>
           </a:p>
           <a:p>
             <a:pPr lvl="2"/>
             <a:r>
-              <a:rPr lang="en-US" smtClean="0"/>
+              <a:rPr lang="en-US"/>
               <a:t>Third level</a:t>
             </a:r>
           </a:p>
           <a:p>
             <a:pPr lvl="3"/>
             <a:r>
-              <a:rPr lang="en-US" smtClean="0"/>
+              <a:rPr lang="en-US"/>
               <a:t>Fourth level</a:t>
             </a:r>
           </a:p>
           <a:p>
             <a:pPr lvl="4"/>
             <a:r>
-              <a:rPr lang="en-US" smtClean="0"/>
+              <a:rPr lang="en-US"/>
               <a:t>Fifth level</a:t>
             </a:r>
-            <a:endParaRPr lang="en-US"/>
           </a:p>
         </p:txBody>
       </p:sp>
@@ -1523,7 +1679,7 @@
           <a:p>
             <a:pPr lvl="0"/>
             <a:r>
-              <a:rPr lang="en-US" smtClean="0"/>
+              <a:rPr lang="en-US"/>
               <a:t>Click to edit Master text styles</a:t>
             </a:r>
           </a:p>
@@ -1551,38 +1707,37 @@
           <a:p>
             <a:pPr lvl="0"/>
             <a:r>
-              <a:rPr lang="en-US" smtClean="0"/>
+              <a:rPr lang="en-US"/>
               <a:t>Click to edit Master text styles</a:t>
             </a:r>
           </a:p>
           <a:p>
             <a:pPr lvl="1"/>
             <a:r>
-              <a:rPr lang="en-US" smtClean="0"/>
+              <a:rPr lang="en-US"/>
               <a:t>Second level</a:t>
             </a:r>
           </a:p>
           <a:p>
             <a:pPr lvl="2"/>
             <a:r>
-              <a:rPr lang="en-US" smtClean="0"/>
+              <a:rPr lang="en-US"/>
               <a:t>Third level</a:t>
             </a:r>
           </a:p>
           <a:p>
             <a:pPr lvl="3"/>
             <a:r>
-              <a:rPr lang="en-US" smtClean="0"/>
+              <a:rPr lang="en-US"/>
               <a:t>Fourth level</a:t>
             </a:r>
           </a:p>
           <a:p>
             <a:pPr lvl="4"/>
             <a:r>
-              <a:rPr lang="en-US" smtClean="0"/>
+              <a:rPr lang="en-US"/>
               <a:t>Fifth level</a:t>
             </a:r>
-            <a:endParaRPr lang="en-US"/>
           </a:p>
         </p:txBody>
       </p:sp>
@@ -1697,10 +1852,9 @@
           <a:lstStyle/>
           <a:p>
             <a:r>
-              <a:rPr lang="en-US" smtClean="0"/>
+              <a:rPr lang="en-US"/>
               <a:t>Click to edit Master title style</a:t>
             </a:r>
-            <a:endParaRPr lang="en-US"/>
           </a:p>
         </p:txBody>
       </p:sp>
@@ -1919,10 +2073,9 @@
           </a:lstStyle>
           <a:p>
             <a:r>
-              <a:rPr lang="en-US" smtClean="0"/>
+              <a:rPr lang="en-US"/>
               <a:t>Click to edit Master title style</a:t>
             </a:r>
-            <a:endParaRPr lang="en-US"/>
           </a:p>
         </p:txBody>
       </p:sp>
@@ -1976,38 +2129,37 @@
           <a:p>
             <a:pPr lvl="0"/>
             <a:r>
-              <a:rPr lang="en-US" smtClean="0"/>
+              <a:rPr lang="en-US"/>
               <a:t>Click to edit Master text styles</a:t>
             </a:r>
           </a:p>
           <a:p>
             <a:pPr lvl="1"/>
             <a:r>
-              <a:rPr lang="en-US" smtClean="0"/>
+              <a:rPr lang="en-US"/>
               <a:t>Second level</a:t>
             </a:r>
           </a:p>
           <a:p>
             <a:pPr lvl="2"/>
             <a:r>
-              <a:rPr lang="en-US" smtClean="0"/>
+              <a:rPr lang="en-US"/>
               <a:t>Third level</a:t>
             </a:r>
           </a:p>
           <a:p>
             <a:pPr lvl="3"/>
             <a:r>
-              <a:rPr lang="en-US" smtClean="0"/>
+              <a:rPr lang="en-US"/>
               <a:t>Fourth level</a:t>
             </a:r>
           </a:p>
           <a:p>
             <a:pPr lvl="4"/>
             <a:r>
-              <a:rPr lang="en-US" smtClean="0"/>
+              <a:rPr lang="en-US"/>
               <a:t>Fifth level</a:t>
             </a:r>
-            <a:endParaRPr lang="en-US"/>
           </a:p>
         </p:txBody>
       </p:sp>
@@ -2070,7 +2222,7 @@
           <a:p>
             <a:pPr lvl="0"/>
             <a:r>
-              <a:rPr lang="en-US" smtClean="0"/>
+              <a:rPr lang="en-US"/>
               <a:t>Click to edit Master text styles</a:t>
             </a:r>
           </a:p>
@@ -2196,10 +2348,9 @@
           </a:lstStyle>
           <a:p>
             <a:r>
-              <a:rPr lang="en-US" smtClean="0"/>
+              <a:rPr lang="en-US"/>
               <a:t>Click to edit Master title style</a:t>
             </a:r>
-            <a:endParaRPr lang="en-US"/>
           </a:p>
         </p:txBody>
       </p:sp>
@@ -2323,7 +2474,7 @@
           <a:p>
             <a:pPr lvl="0"/>
             <a:r>
-              <a:rPr lang="en-US" smtClean="0"/>
+              <a:rPr lang="en-US"/>
               <a:t>Click to edit Master text styles</a:t>
             </a:r>
           </a:p>
@@ -2455,10 +2606,9 @@
           <a:lstStyle/>
           <a:p>
             <a:r>
-              <a:rPr lang="en-US" smtClean="0"/>
+              <a:rPr lang="en-US"/>
               <a:t>Click to edit Master title style</a:t>
             </a:r>
-            <a:endParaRPr lang="en-US"/>
           </a:p>
         </p:txBody>
       </p:sp>
@@ -2489,38 +2639,37 @@
           <a:p>
             <a:pPr lvl="0"/>
             <a:r>
-              <a:rPr lang="en-US" smtClean="0"/>
+              <a:rPr lang="en-US"/>
               <a:t>Click to edit Master text styles</a:t>
             </a:r>
           </a:p>
           <a:p>
             <a:pPr lvl="1"/>
             <a:r>
-              <a:rPr lang="en-US" smtClean="0"/>
+              <a:rPr lang="en-US"/>
               <a:t>Second level</a:t>
             </a:r>
           </a:p>
           <a:p>
             <a:pPr lvl="2"/>
             <a:r>
-              <a:rPr lang="en-US" smtClean="0"/>
+              <a:rPr lang="en-US"/>
               <a:t>Third level</a:t>
             </a:r>
           </a:p>
           <a:p>
             <a:pPr lvl="3"/>
             <a:r>
-              <a:rPr lang="en-US" smtClean="0"/>
+              <a:rPr lang="en-US"/>
               <a:t>Fourth level</a:t>
             </a:r>
           </a:p>
           <a:p>
             <a:pPr lvl="4"/>
             <a:r>
-              <a:rPr lang="en-US" smtClean="0"/>
+              <a:rPr lang="en-US"/>
               <a:t>Fifth level</a:t>
             </a:r>
-            <a:endParaRPr lang="en-US"/>
           </a:p>
         </p:txBody>
       </p:sp>
@@ -2972,7 +3121,7 @@
         </p:nvSpPr>
         <p:spPr>
           <a:xfrm>
-            <a:off x="1229988" y="1577947"/>
+            <a:off x="1710633" y="449263"/>
             <a:ext cx="6416985" cy="1909721"/>
           </a:xfrm>
           <a:prstGeom prst="rect">
@@ -3000,10 +3149,9 @@
           <a:lstStyle/>
           <a:p>
             <a:r>
-              <a:rPr lang="en-US" smtClean="0"/>
+              <a:rPr lang="en-US"/>
               <a:t>Front End</a:t>
             </a:r>
-            <a:endParaRPr lang="en-US"/>
           </a:p>
         </p:txBody>
       </p:sp>
@@ -3015,7 +3163,7 @@
         </p:nvSpPr>
         <p:spPr>
           <a:xfrm>
-            <a:off x="1408012" y="2079654"/>
+            <a:off x="1888657" y="950970"/>
             <a:ext cx="1942091" cy="954860"/>
           </a:xfrm>
           <a:prstGeom prst="rect">
@@ -3043,7 +3191,7 @@
           <a:lstStyle/>
           <a:p>
             <a:r>
-              <a:rPr lang="en-US" sz="1000" b="1" smtClean="0"/>
+              <a:rPr lang="en-US" sz="1000" b="1"/>
               <a:t>Render Loop</a:t>
             </a:r>
           </a:p>
@@ -3053,7 +3201,7 @@
               <a:buChar char="•"/>
             </a:pPr>
             <a:r>
-              <a:rPr lang="en-US" sz="1000" smtClean="0"/>
+              <a:rPr lang="en-US" sz="1000"/>
               <a:t>Wait for display data</a:t>
             </a:r>
           </a:p>
@@ -3063,7 +3211,7 @@
               <a:buChar char="•"/>
             </a:pPr>
             <a:r>
-              <a:rPr lang="en-US" sz="1000" smtClean="0"/>
+              <a:rPr lang="en-US" sz="1000"/>
               <a:t>Update scene</a:t>
             </a:r>
           </a:p>
@@ -3080,7 +3228,7 @@
         </p:nvSpPr>
         <p:spPr>
           <a:xfrm>
-            <a:off x="3607697" y="2079654"/>
+            <a:off x="4088342" y="950970"/>
             <a:ext cx="1942091" cy="954860"/>
           </a:xfrm>
           <a:prstGeom prst="rect">
@@ -3108,7 +3256,7 @@
           <a:lstStyle/>
           <a:p>
             <a:r>
-              <a:rPr lang="en-US" sz="1000" b="1" smtClean="0"/>
+              <a:rPr lang="en-US" sz="1000" b="1"/>
               <a:t>Input Loop</a:t>
             </a:r>
           </a:p>
@@ -3118,7 +3266,7 @@
               <a:buChar char="•"/>
             </a:pPr>
             <a:r>
-              <a:rPr lang="en-US" sz="1000" smtClean="0"/>
+              <a:rPr lang="en-US" sz="1000"/>
               <a:t>Wait for user input change</a:t>
             </a:r>
           </a:p>
@@ -3128,7 +3276,7 @@
               <a:buChar char="•"/>
             </a:pPr>
             <a:r>
-              <a:rPr lang="en-US" sz="1000" smtClean="0"/>
+              <a:rPr lang="en-US" sz="1000"/>
               <a:t>Send input to backend</a:t>
             </a:r>
           </a:p>
@@ -3145,7 +3293,7 @@
         </p:nvSpPr>
         <p:spPr>
           <a:xfrm>
-            <a:off x="1229988" y="4303614"/>
+            <a:off x="1710633" y="3174930"/>
             <a:ext cx="6416985" cy="1909721"/>
           </a:xfrm>
           <a:prstGeom prst="rect">
@@ -3173,10 +3321,9 @@
           <a:lstStyle/>
           <a:p>
             <a:r>
-              <a:rPr lang="en-US" smtClean="0"/>
+              <a:rPr lang="en-US"/>
               <a:t>Back End</a:t>
             </a:r>
-            <a:endParaRPr lang="en-US"/>
           </a:p>
         </p:txBody>
       </p:sp>
@@ -3188,7 +3335,7 @@
         </p:nvSpPr>
         <p:spPr>
           <a:xfrm>
-            <a:off x="1408012" y="4805321"/>
+            <a:off x="1888657" y="3676637"/>
             <a:ext cx="1942091" cy="954860"/>
           </a:xfrm>
           <a:prstGeom prst="rect">
@@ -3216,7 +3363,7 @@
           <a:lstStyle/>
           <a:p>
             <a:r>
-              <a:rPr lang="en-US" sz="1000" b="1" smtClean="0"/>
+              <a:rPr lang="en-US" sz="1000" b="1"/>
               <a:t>Render Loop</a:t>
             </a:r>
           </a:p>
@@ -3226,7 +3373,7 @@
               <a:buChar char="•"/>
             </a:pPr>
             <a:r>
-              <a:rPr lang="en-US" sz="1000" smtClean="0"/>
+              <a:rPr lang="en-US" sz="1000"/>
               <a:t>Send display data</a:t>
             </a:r>
           </a:p>
@@ -3236,7 +3383,7 @@
               <a:buChar char="•"/>
             </a:pPr>
             <a:r>
-              <a:rPr lang="en-US" sz="1000" smtClean="0"/>
+              <a:rPr lang="en-US" sz="1000"/>
               <a:t>Wait for x milliseconds</a:t>
             </a:r>
           </a:p>
@@ -3245,7 +3392,7 @@
               <a:buFont typeface="Arial" panose="020B0604020202020204" pitchFamily="34" charset="0"/>
               <a:buChar char="•"/>
             </a:pPr>
-            <a:endParaRPr lang="en-US" sz="1000" smtClean="0"/>
+            <a:endParaRPr lang="en-US" sz="1000"/>
           </a:p>
           <a:p>
             <a:endParaRPr lang="en-US" sz="1000"/>
@@ -3260,7 +3407,7 @@
         </p:nvSpPr>
         <p:spPr>
           <a:xfrm>
-            <a:off x="2813166" y="3640252"/>
+            <a:off x="3293811" y="2511568"/>
             <a:ext cx="1331466" cy="510778"/>
           </a:xfrm>
           <a:prstGeom prst="flowChartProcess">
@@ -3289,10 +3436,9 @@
           <a:p>
             <a:pPr algn="ctr"/>
             <a:r>
-              <a:rPr lang="en-US" sz="900" smtClean="0"/>
+              <a:rPr lang="en-US" sz="900"/>
               <a:t>JS Sockets to communicate using JSON format</a:t>
             </a:r>
-            <a:endParaRPr lang="en-US" sz="900"/>
           </a:p>
         </p:txBody>
       </p:sp>
@@ -3304,7 +3450,7 @@
         </p:nvSpPr>
         <p:spPr>
           <a:xfrm>
-            <a:off x="5991826" y="2532807"/>
+            <a:off x="6472471" y="1404123"/>
             <a:ext cx="1331466" cy="510778"/>
           </a:xfrm>
           <a:prstGeom prst="rect">
@@ -3333,10 +3479,9 @@
           <a:p>
             <a:pPr algn="ctr"/>
             <a:r>
-              <a:rPr lang="en-US" sz="900" smtClean="0"/>
+              <a:rPr lang="en-US" sz="900"/>
               <a:t>Vue.js for non-game user interface and web structure</a:t>
             </a:r>
-            <a:endParaRPr lang="en-US" sz="900"/>
           </a:p>
         </p:txBody>
       </p:sp>
@@ -3348,7 +3493,7 @@
         </p:nvSpPr>
         <p:spPr>
           <a:xfrm>
-            <a:off x="5991826" y="1833335"/>
+            <a:off x="6472471" y="704651"/>
             <a:ext cx="1331466" cy="510778"/>
           </a:xfrm>
           <a:prstGeom prst="rect">
@@ -3377,16 +3522,12 @@
           <a:p>
             <a:pPr algn="ctr"/>
             <a:r>
-              <a:rPr lang="en-US" sz="900" err="1" smtClean="0"/>
+              <a:rPr lang="en-US" sz="900" err="1"/>
               <a:t>PixiJS</a:t>
             </a:r>
             <a:r>
-              <a:rPr lang="en-US" sz="900" smtClean="0"/>
-              <a:t> for in-game renderin</a:t>
-            </a:r>
-            <a:r>
               <a:rPr lang="en-US" sz="900"/>
-              <a:t>g</a:t>
+              <a:t> for in-game rendering</a:t>
             </a:r>
           </a:p>
         </p:txBody>
@@ -3399,7 +3540,7 @@
         </p:nvSpPr>
         <p:spPr>
           <a:xfrm>
-            <a:off x="3607697" y="4805321"/>
+            <a:off x="4088342" y="3676637"/>
             <a:ext cx="1942091" cy="954860"/>
           </a:xfrm>
           <a:prstGeom prst="rect">
@@ -3427,7 +3568,7 @@
           <a:lstStyle/>
           <a:p>
             <a:r>
-              <a:rPr lang="en-US" sz="1000" b="1" smtClean="0"/>
+              <a:rPr lang="en-US" sz="1000" b="1"/>
               <a:t>Game Loop</a:t>
             </a:r>
           </a:p>
@@ -3437,7 +3578,7 @@
               <a:buChar char="•"/>
             </a:pPr>
             <a:r>
-              <a:rPr lang="en-US" sz="1000" smtClean="0"/>
+              <a:rPr lang="en-US" sz="1000"/>
               <a:t>Update current input</a:t>
             </a:r>
           </a:p>
@@ -3447,7 +3588,7 @@
               <a:buChar char="•"/>
             </a:pPr>
             <a:r>
-              <a:rPr lang="en-US" sz="1000" smtClean="0"/>
+              <a:rPr lang="en-US" sz="1000"/>
               <a:t>Run ECS systems</a:t>
             </a:r>
           </a:p>
@@ -3461,7 +3602,7 @@
         </p:nvSpPr>
         <p:spPr>
           <a:xfrm>
-            <a:off x="6136134" y="5003085"/>
+            <a:off x="6616779" y="3874401"/>
             <a:ext cx="1331466" cy="510778"/>
           </a:xfrm>
           <a:prstGeom prst="rect">
@@ -3490,10 +3631,9 @@
           <a:p>
             <a:pPr algn="ctr"/>
             <a:r>
-              <a:rPr lang="en-US" sz="900" smtClean="0"/>
+              <a:rPr lang="en-US" sz="900"/>
               <a:t>ECS system for game logic</a:t>
             </a:r>
-            <a:endParaRPr lang="en-US" sz="900"/>
           </a:p>
         </p:txBody>
       </p:sp>
@@ -3508,7 +3648,7 @@
         </p:nvCxnSpPr>
         <p:spPr>
           <a:xfrm flipV="1">
-            <a:off x="2379058" y="3034514"/>
+            <a:off x="2859703" y="1905830"/>
             <a:ext cx="0" cy="1770807"/>
           </a:xfrm>
           <a:prstGeom prst="straightConnector1">
@@ -3544,7 +3684,7 @@
         </p:nvCxnSpPr>
         <p:spPr>
           <a:xfrm>
-            <a:off x="4578743" y="3034514"/>
+            <a:off x="5059388" y="1905830"/>
             <a:ext cx="0" cy="1770807"/>
           </a:xfrm>
           <a:prstGeom prst="straightConnector1">
@@ -3577,7 +3717,7 @@
         </p:nvSpPr>
         <p:spPr>
           <a:xfrm>
-            <a:off x="2813166" y="5907186"/>
+            <a:off x="3293811" y="4778502"/>
             <a:ext cx="1103379" cy="169933"/>
           </a:xfrm>
           <a:prstGeom prst="rect">
@@ -3606,10 +3746,9 @@
           <a:p>
             <a:pPr algn="ctr"/>
             <a:r>
-              <a:rPr lang="en-US" sz="1200" smtClean="0"/>
+              <a:rPr lang="en-US" sz="1200"/>
               <a:t>Game State</a:t>
             </a:r>
-            <a:endParaRPr lang="en-US" sz="1200"/>
           </a:p>
         </p:txBody>
       </p:sp>
@@ -3621,7 +3760,7 @@
         </p:nvSpPr>
         <p:spPr>
           <a:xfrm>
-            <a:off x="3916545" y="5760181"/>
+            <a:off x="4397190" y="4631497"/>
             <a:ext cx="742758" cy="306149"/>
           </a:xfrm>
           <a:prstGeom prst="leftUpArrow">
@@ -3661,7 +3800,7 @@
         </p:nvSpPr>
         <p:spPr>
           <a:xfrm flipH="1">
-            <a:off x="2263806" y="5754111"/>
+            <a:off x="2744451" y="4625427"/>
             <a:ext cx="549360" cy="273827"/>
           </a:xfrm>
           <a:prstGeom prst="bentUpArrow">
@@ -3690,6 +3829,104 @@
           <a:p>
             <a:pPr algn="ctr"/>
             <a:endParaRPr lang="en-US"/>
+          </a:p>
+        </p:txBody>
+      </p:sp>
+      <p:sp>
+        <p:nvSpPr>
+          <p:cNvPr id="2" name="Cylinder 1">
+            <a:extLst>
+              <a:ext uri="{FF2B5EF4-FFF2-40B4-BE49-F238E27FC236}">
+                <a16:creationId xmlns:a16="http://schemas.microsoft.com/office/drawing/2014/main" id="{2DDC2694-6AB4-463A-8E78-D5F31D277CD3}"/>
+              </a:ext>
+            </a:extLst>
+          </p:cNvPr>
+          <p:cNvSpPr/>
+          <p:nvPr/>
+        </p:nvSpPr>
+        <p:spPr>
+          <a:xfrm>
+            <a:off x="5082617" y="5500198"/>
+            <a:ext cx="1043354" cy="908539"/>
+          </a:xfrm>
+          <a:prstGeom prst="can">
+            <a:avLst/>
+          </a:prstGeom>
+        </p:spPr>
+        <p:style>
+          <a:lnRef idx="2">
+            <a:schemeClr val="accent1">
+              <a:shade val="50000"/>
+            </a:schemeClr>
+          </a:lnRef>
+          <a:fillRef idx="1">
+            <a:schemeClr val="accent1"/>
+          </a:fillRef>
+          <a:effectRef idx="0">
+            <a:schemeClr val="accent1"/>
+          </a:effectRef>
+          <a:fontRef idx="minor">
+            <a:schemeClr val="lt1"/>
+          </a:fontRef>
+        </p:style>
+        <p:txBody>
+          <a:bodyPr rtlCol="0" anchor="ctr"/>
+          <a:lstStyle/>
+          <a:p>
+            <a:pPr algn="ctr"/>
+            <a:r>
+              <a:rPr lang="en-US" dirty="0"/>
+              <a:t>User Data</a:t>
+            </a:r>
+          </a:p>
+        </p:txBody>
+      </p:sp>
+      <p:sp>
+        <p:nvSpPr>
+          <p:cNvPr id="18" name="Cylinder 17">
+            <a:extLst>
+              <a:ext uri="{FF2B5EF4-FFF2-40B4-BE49-F238E27FC236}">
+                <a16:creationId xmlns:a16="http://schemas.microsoft.com/office/drawing/2014/main" id="{FFA83D32-0677-4853-A327-DB2F191B3A4E}"/>
+              </a:ext>
+            </a:extLst>
+          </p:cNvPr>
+          <p:cNvSpPr/>
+          <p:nvPr/>
+        </p:nvSpPr>
+        <p:spPr>
+          <a:xfrm>
+            <a:off x="3293811" y="5500198"/>
+            <a:ext cx="1043354" cy="908539"/>
+          </a:xfrm>
+          <a:prstGeom prst="can">
+            <a:avLst/>
+          </a:prstGeom>
+        </p:spPr>
+        <p:style>
+          <a:lnRef idx="2">
+            <a:schemeClr val="accent1">
+              <a:shade val="50000"/>
+            </a:schemeClr>
+          </a:lnRef>
+          <a:fillRef idx="1">
+            <a:schemeClr val="accent1"/>
+          </a:fillRef>
+          <a:effectRef idx="0">
+            <a:schemeClr val="accent1"/>
+          </a:effectRef>
+          <a:fontRef idx="minor">
+            <a:schemeClr val="lt1"/>
+          </a:fontRef>
+        </p:style>
+        <p:txBody>
+          <a:bodyPr rtlCol="0" anchor="ctr"/>
+          <a:lstStyle/>
+          <a:p>
+            <a:pPr algn="ctr"/>
+            <a:r>
+              <a:rPr lang="en-US" dirty="0"/>
+              <a:t>Game Data</a:t>
+            </a:r>
           </a:p>
         </p:txBody>
       </p:sp>

--- a/assets/Architecture.pptx
+++ b/assets/Architecture.pptx
@@ -406,7 +406,7 @@
           <a:p>
             <a:fld id="{E2366BF7-FEC8-4B56-9AC3-4B88DD1145F1}" type="datetimeFigureOut">
               <a:rPr lang="en-US" smtClean="0"/>
-              <a:t>11/13/2019</a:t>
+              <a:t>11/14/2019</a:t>
             </a:fld>
             <a:endParaRPr lang="en-US"/>
           </a:p>
@@ -574,7 +574,7 @@
           <a:p>
             <a:fld id="{E2366BF7-FEC8-4B56-9AC3-4B88DD1145F1}" type="datetimeFigureOut">
               <a:rPr lang="en-US" smtClean="0"/>
-              <a:t>11/13/2019</a:t>
+              <a:t>11/14/2019</a:t>
             </a:fld>
             <a:endParaRPr lang="en-US"/>
           </a:p>
@@ -752,7 +752,7 @@
           <a:p>
             <a:fld id="{E2366BF7-FEC8-4B56-9AC3-4B88DD1145F1}" type="datetimeFigureOut">
               <a:rPr lang="en-US" smtClean="0"/>
-              <a:t>11/13/2019</a:t>
+              <a:t>11/14/2019</a:t>
             </a:fld>
             <a:endParaRPr lang="en-US"/>
           </a:p>
@@ -920,7 +920,7 @@
           <a:p>
             <a:fld id="{E2366BF7-FEC8-4B56-9AC3-4B88DD1145F1}" type="datetimeFigureOut">
               <a:rPr lang="en-US" smtClean="0"/>
-              <a:t>11/13/2019</a:t>
+              <a:t>11/14/2019</a:t>
             </a:fld>
             <a:endParaRPr lang="en-US"/>
           </a:p>
@@ -1165,7 +1165,7 @@
           <a:p>
             <a:fld id="{E2366BF7-FEC8-4B56-9AC3-4B88DD1145F1}" type="datetimeFigureOut">
               <a:rPr lang="en-US" smtClean="0"/>
-              <a:t>11/13/2019</a:t>
+              <a:t>11/14/2019</a:t>
             </a:fld>
             <a:endParaRPr lang="en-US"/>
           </a:p>
@@ -1394,7 +1394,7 @@
           <a:p>
             <a:fld id="{E2366BF7-FEC8-4B56-9AC3-4B88DD1145F1}" type="datetimeFigureOut">
               <a:rPr lang="en-US" smtClean="0"/>
-              <a:t>11/13/2019</a:t>
+              <a:t>11/14/2019</a:t>
             </a:fld>
             <a:endParaRPr lang="en-US"/>
           </a:p>
@@ -1758,7 +1758,7 @@
           <a:p>
             <a:fld id="{E2366BF7-FEC8-4B56-9AC3-4B88DD1145F1}" type="datetimeFigureOut">
               <a:rPr lang="en-US" smtClean="0"/>
-              <a:t>11/13/2019</a:t>
+              <a:t>11/14/2019</a:t>
             </a:fld>
             <a:endParaRPr lang="en-US"/>
           </a:p>
@@ -1875,7 +1875,7 @@
           <a:p>
             <a:fld id="{E2366BF7-FEC8-4B56-9AC3-4B88DD1145F1}" type="datetimeFigureOut">
               <a:rPr lang="en-US" smtClean="0"/>
-              <a:t>11/13/2019</a:t>
+              <a:t>11/14/2019</a:t>
             </a:fld>
             <a:endParaRPr lang="en-US"/>
           </a:p>
@@ -1970,7 +1970,7 @@
           <a:p>
             <a:fld id="{E2366BF7-FEC8-4B56-9AC3-4B88DD1145F1}" type="datetimeFigureOut">
               <a:rPr lang="en-US" smtClean="0"/>
-              <a:t>11/13/2019</a:t>
+              <a:t>11/14/2019</a:t>
             </a:fld>
             <a:endParaRPr lang="en-US"/>
           </a:p>
@@ -2245,7 +2245,7 @@
           <a:p>
             <a:fld id="{E2366BF7-FEC8-4B56-9AC3-4B88DD1145F1}" type="datetimeFigureOut">
               <a:rPr lang="en-US" smtClean="0"/>
-              <a:t>11/13/2019</a:t>
+              <a:t>11/14/2019</a:t>
             </a:fld>
             <a:endParaRPr lang="en-US"/>
           </a:p>
@@ -2497,7 +2497,7 @@
           <a:p>
             <a:fld id="{E2366BF7-FEC8-4B56-9AC3-4B88DD1145F1}" type="datetimeFigureOut">
               <a:rPr lang="en-US" smtClean="0"/>
-              <a:t>11/13/2019</a:t>
+              <a:t>11/14/2019</a:t>
             </a:fld>
             <a:endParaRPr lang="en-US"/>
           </a:p>
@@ -2708,7 +2708,7 @@
           <a:p>
             <a:fld id="{E2366BF7-FEC8-4B56-9AC3-4B88DD1145F1}" type="datetimeFigureOut">
               <a:rPr lang="en-US" smtClean="0"/>
-              <a:t>11/13/2019</a:t>
+              <a:t>11/14/2019</a:t>
             </a:fld>
             <a:endParaRPr lang="en-US"/>
           </a:p>
@@ -3363,9 +3363,10 @@
           <a:lstStyle/>
           <a:p>
             <a:r>
-              <a:rPr lang="en-US" sz="1000" b="1"/>
-              <a:t>Render Loop</a:t>
-            </a:r>
+              <a:rPr lang="en-US" sz="1000" b="1" smtClean="0"/>
+              <a:t>Draw Loop</a:t>
+            </a:r>
+            <a:endParaRPr lang="en-US" sz="1000" b="1"/>
           </a:p>
           <a:p>
             <a:pPr marL="171450" indent="-171450">
@@ -3837,7 +3838,7 @@
           <p:cNvPr id="2" name="Cylinder 1">
             <a:extLst>
               <a:ext uri="{FF2B5EF4-FFF2-40B4-BE49-F238E27FC236}">
-                <a16:creationId xmlns:a16="http://schemas.microsoft.com/office/drawing/2014/main" id="{2DDC2694-6AB4-463A-8E78-D5F31D277CD3}"/>
+                <a16:creationId xmlns:a16="http://schemas.microsoft.com/office/drawing/2014/main" xmlns="" id="{2DDC2694-6AB4-463A-8E78-D5F31D277CD3}"/>
               </a:ext>
             </a:extLst>
           </p:cNvPr>
@@ -3886,7 +3887,7 @@
           <p:cNvPr id="18" name="Cylinder 17">
             <a:extLst>
               <a:ext uri="{FF2B5EF4-FFF2-40B4-BE49-F238E27FC236}">
-                <a16:creationId xmlns:a16="http://schemas.microsoft.com/office/drawing/2014/main" id="{FFA83D32-0677-4853-A327-DB2F191B3A4E}"/>
+                <a16:creationId xmlns:a16="http://schemas.microsoft.com/office/drawing/2014/main" xmlns="" id="{FFA83D32-0677-4853-A327-DB2F191B3A4E}"/>
               </a:ext>
             </a:extLst>
           </p:cNvPr>

--- a/assets/Architecture.pptx
+++ b/assets/Architecture.pptx
@@ -124,19 +124,19 @@
 <pc:chgInfo xmlns:a="http://schemas.openxmlformats.org/drawingml/2006/main" xmlns:r="http://schemas.openxmlformats.org/officeDocument/2006/relationships" xmlns:ac="http://schemas.microsoft.com/office/drawing/2013/main/command" xmlns:pc="http://schemas.microsoft.com/office/powerpoint/2013/main/command">
   <pc:docChgLst>
     <pc:chgData name="Deejai Justin" userId="858ebd3f783c0785" providerId="LiveId" clId="{B74F349F-12E2-495F-8F0E-3A03EED6DFA9}"/>
-    <pc:docChg chg="modSld">
-      <pc:chgData name="Deejai Justin" userId="858ebd3f783c0785" providerId="LiveId" clId="{B74F349F-12E2-495F-8F0E-3A03EED6DFA9}" dt="2019-11-13T21:44:43.866" v="44" actId="1076"/>
+    <pc:docChg chg="custSel modSld">
+      <pc:chgData name="Deejai Justin" userId="858ebd3f783c0785" providerId="LiveId" clId="{B74F349F-12E2-495F-8F0E-3A03EED6DFA9}" dt="2019-11-22T04:05:08.703" v="67" actId="1076"/>
       <pc:docMkLst>
         <pc:docMk/>
       </pc:docMkLst>
-      <pc:sldChg chg="addSp modSp">
-        <pc:chgData name="Deejai Justin" userId="858ebd3f783c0785" providerId="LiveId" clId="{B74F349F-12E2-495F-8F0E-3A03EED6DFA9}" dt="2019-11-13T21:44:43.866" v="44" actId="1076"/>
+      <pc:sldChg chg="addSp delSp modSp">
+        <pc:chgData name="Deejai Justin" userId="858ebd3f783c0785" providerId="LiveId" clId="{B74F349F-12E2-495F-8F0E-3A03EED6DFA9}" dt="2019-11-22T04:05:08.703" v="67" actId="1076"/>
         <pc:sldMkLst>
           <pc:docMk/>
           <pc:sldMk cId="1103160813" sldId="256"/>
         </pc:sldMkLst>
-        <pc:spChg chg="add mod">
-          <ac:chgData name="Deejai Justin" userId="858ebd3f783c0785" providerId="LiveId" clId="{B74F349F-12E2-495F-8F0E-3A03EED6DFA9}" dt="2019-11-13T21:44:43.866" v="44" actId="1076"/>
+        <pc:spChg chg="add del mod">
+          <ac:chgData name="Deejai Justin" userId="858ebd3f783c0785" providerId="LiveId" clId="{B74F349F-12E2-495F-8F0E-3A03EED6DFA9}" dt="2019-11-22T04:05:07.301" v="66" actId="478"/>
           <ac:spMkLst>
             <pc:docMk/>
             <pc:sldMk cId="1103160813" sldId="256"/>
@@ -224,7 +224,7 @@
           </ac:spMkLst>
         </pc:spChg>
         <pc:spChg chg="add mod">
-          <ac:chgData name="Deejai Justin" userId="858ebd3f783c0785" providerId="LiveId" clId="{B74F349F-12E2-495F-8F0E-3A03EED6DFA9}" dt="2019-11-13T21:44:43.866" v="44" actId="1076"/>
+          <ac:chgData name="Deejai Justin" userId="858ebd3f783c0785" providerId="LiveId" clId="{B74F349F-12E2-495F-8F0E-3A03EED6DFA9}" dt="2019-11-22T04:05:08.703" v="67" actId="1076"/>
           <ac:spMkLst>
             <pc:docMk/>
             <pc:sldMk cId="1103160813" sldId="256"/>
@@ -406,7 +406,7 @@
           <a:p>
             <a:fld id="{E2366BF7-FEC8-4B56-9AC3-4B88DD1145F1}" type="datetimeFigureOut">
               <a:rPr lang="en-US" smtClean="0"/>
-              <a:t>11/14/2019</a:t>
+              <a:t>11/21/2019</a:t>
             </a:fld>
             <a:endParaRPr lang="en-US"/>
           </a:p>
@@ -574,7 +574,7 @@
           <a:p>
             <a:fld id="{E2366BF7-FEC8-4B56-9AC3-4B88DD1145F1}" type="datetimeFigureOut">
               <a:rPr lang="en-US" smtClean="0"/>
-              <a:t>11/14/2019</a:t>
+              <a:t>11/21/2019</a:t>
             </a:fld>
             <a:endParaRPr lang="en-US"/>
           </a:p>
@@ -752,7 +752,7 @@
           <a:p>
             <a:fld id="{E2366BF7-FEC8-4B56-9AC3-4B88DD1145F1}" type="datetimeFigureOut">
               <a:rPr lang="en-US" smtClean="0"/>
-              <a:t>11/14/2019</a:t>
+              <a:t>11/21/2019</a:t>
             </a:fld>
             <a:endParaRPr lang="en-US"/>
           </a:p>
@@ -920,7 +920,7 @@
           <a:p>
             <a:fld id="{E2366BF7-FEC8-4B56-9AC3-4B88DD1145F1}" type="datetimeFigureOut">
               <a:rPr lang="en-US" smtClean="0"/>
-              <a:t>11/14/2019</a:t>
+              <a:t>11/21/2019</a:t>
             </a:fld>
             <a:endParaRPr lang="en-US"/>
           </a:p>
@@ -1165,7 +1165,7 @@
           <a:p>
             <a:fld id="{E2366BF7-FEC8-4B56-9AC3-4B88DD1145F1}" type="datetimeFigureOut">
               <a:rPr lang="en-US" smtClean="0"/>
-              <a:t>11/14/2019</a:t>
+              <a:t>11/21/2019</a:t>
             </a:fld>
             <a:endParaRPr lang="en-US"/>
           </a:p>
@@ -1394,7 +1394,7 @@
           <a:p>
             <a:fld id="{E2366BF7-FEC8-4B56-9AC3-4B88DD1145F1}" type="datetimeFigureOut">
               <a:rPr lang="en-US" smtClean="0"/>
-              <a:t>11/14/2019</a:t>
+              <a:t>11/21/2019</a:t>
             </a:fld>
             <a:endParaRPr lang="en-US"/>
           </a:p>
@@ -1758,7 +1758,7 @@
           <a:p>
             <a:fld id="{E2366BF7-FEC8-4B56-9AC3-4B88DD1145F1}" type="datetimeFigureOut">
               <a:rPr lang="en-US" smtClean="0"/>
-              <a:t>11/14/2019</a:t>
+              <a:t>11/21/2019</a:t>
             </a:fld>
             <a:endParaRPr lang="en-US"/>
           </a:p>
@@ -1875,7 +1875,7 @@
           <a:p>
             <a:fld id="{E2366BF7-FEC8-4B56-9AC3-4B88DD1145F1}" type="datetimeFigureOut">
               <a:rPr lang="en-US" smtClean="0"/>
-              <a:t>11/14/2019</a:t>
+              <a:t>11/21/2019</a:t>
             </a:fld>
             <a:endParaRPr lang="en-US"/>
           </a:p>
@@ -1970,7 +1970,7 @@
           <a:p>
             <a:fld id="{E2366BF7-FEC8-4B56-9AC3-4B88DD1145F1}" type="datetimeFigureOut">
               <a:rPr lang="en-US" smtClean="0"/>
-              <a:t>11/14/2019</a:t>
+              <a:t>11/21/2019</a:t>
             </a:fld>
             <a:endParaRPr lang="en-US"/>
           </a:p>
@@ -2245,7 +2245,7 @@
           <a:p>
             <a:fld id="{E2366BF7-FEC8-4B56-9AC3-4B88DD1145F1}" type="datetimeFigureOut">
               <a:rPr lang="en-US" smtClean="0"/>
-              <a:t>11/14/2019</a:t>
+              <a:t>11/21/2019</a:t>
             </a:fld>
             <a:endParaRPr lang="en-US"/>
           </a:p>
@@ -2497,7 +2497,7 @@
           <a:p>
             <a:fld id="{E2366BF7-FEC8-4B56-9AC3-4B88DD1145F1}" type="datetimeFigureOut">
               <a:rPr lang="en-US" smtClean="0"/>
-              <a:t>11/14/2019</a:t>
+              <a:t>11/21/2019</a:t>
             </a:fld>
             <a:endParaRPr lang="en-US"/>
           </a:p>
@@ -2708,7 +2708,7 @@
           <a:p>
             <a:fld id="{E2366BF7-FEC8-4B56-9AC3-4B88DD1145F1}" type="datetimeFigureOut">
               <a:rPr lang="en-US" smtClean="0"/>
-              <a:t>11/14/2019</a:t>
+              <a:t>11/21/2019</a:t>
             </a:fld>
             <a:endParaRPr lang="en-US"/>
           </a:p>
@@ -3363,10 +3363,9 @@
           <a:lstStyle/>
           <a:p>
             <a:r>
-              <a:rPr lang="en-US" sz="1000" b="1" smtClean="0"/>
+              <a:rPr lang="en-US" sz="1000" b="1"/>
               <a:t>Draw Loop</a:t>
             </a:r>
-            <a:endParaRPr lang="en-US" sz="1000" b="1"/>
           </a:p>
           <a:p>
             <a:pPr marL="171450" indent="-171450">
@@ -3835,10 +3834,10 @@
       </p:sp>
       <p:sp>
         <p:nvSpPr>
-          <p:cNvPr id="2" name="Cylinder 1">
+          <p:cNvPr id="18" name="Cylinder 17">
             <a:extLst>
               <a:ext uri="{FF2B5EF4-FFF2-40B4-BE49-F238E27FC236}">
-                <a16:creationId xmlns:a16="http://schemas.microsoft.com/office/drawing/2014/main" xmlns="" id="{2DDC2694-6AB4-463A-8E78-D5F31D277CD3}"/>
+                <a16:creationId xmlns:a16="http://schemas.microsoft.com/office/drawing/2014/main" id="{FFA83D32-0677-4853-A327-DB2F191B3A4E}"/>
               </a:ext>
             </a:extLst>
           </p:cNvPr>
@@ -3847,8 +3846,8 @@
         </p:nvSpPr>
         <p:spPr>
           <a:xfrm>
-            <a:off x="5082617" y="5500198"/>
-            <a:ext cx="1043354" cy="908539"/>
+            <a:off x="3727921" y="5374926"/>
+            <a:ext cx="1331466" cy="1177081"/>
           </a:xfrm>
           <a:prstGeom prst="can">
             <a:avLst/>
@@ -3877,56 +3876,7 @@
             <a:pPr algn="ctr"/>
             <a:r>
               <a:rPr lang="en-US" dirty="0"/>
-              <a:t>User Data</a:t>
-            </a:r>
-          </a:p>
-        </p:txBody>
-      </p:sp>
-      <p:sp>
-        <p:nvSpPr>
-          <p:cNvPr id="18" name="Cylinder 17">
-            <a:extLst>
-              <a:ext uri="{FF2B5EF4-FFF2-40B4-BE49-F238E27FC236}">
-                <a16:creationId xmlns:a16="http://schemas.microsoft.com/office/drawing/2014/main" xmlns="" id="{FFA83D32-0677-4853-A327-DB2F191B3A4E}"/>
-              </a:ext>
-            </a:extLst>
-          </p:cNvPr>
-          <p:cNvSpPr/>
-          <p:nvPr/>
-        </p:nvSpPr>
-        <p:spPr>
-          <a:xfrm>
-            <a:off x="3293811" y="5500198"/>
-            <a:ext cx="1043354" cy="908539"/>
-          </a:xfrm>
-          <a:prstGeom prst="can">
-            <a:avLst/>
-          </a:prstGeom>
-        </p:spPr>
-        <p:style>
-          <a:lnRef idx="2">
-            <a:schemeClr val="accent1">
-              <a:shade val="50000"/>
-            </a:schemeClr>
-          </a:lnRef>
-          <a:fillRef idx="1">
-            <a:schemeClr val="accent1"/>
-          </a:fillRef>
-          <a:effectRef idx="0">
-            <a:schemeClr val="accent1"/>
-          </a:effectRef>
-          <a:fontRef idx="minor">
-            <a:schemeClr val="lt1"/>
-          </a:fontRef>
-        </p:style>
-        <p:txBody>
-          <a:bodyPr rtlCol="0" anchor="ctr"/>
-          <a:lstStyle/>
-          <a:p>
-            <a:pPr algn="ctr"/>
-            <a:r>
-              <a:rPr lang="en-US" dirty="0"/>
-              <a:t>Game Data</a:t>
+              <a:t>Game/User Data</a:t>
             </a:r>
           </a:p>
         </p:txBody>
